--- a/slides/Hito2_EverlastingWinter_slides_15_4.pptx
+++ b/slides/Hito2_EverlastingWinter_slides_15_4.pptx
@@ -15,30 +15,31 @@
     <p:sldId id="260" r:id="rId10"/>
     <p:sldId id="261" r:id="rId11"/>
     <p:sldId id="262" r:id="rId12"/>
+    <p:sldId id="263" r:id="rId13"/>
   </p:sldIdLst>
   <p:sldSz cy="5143500" cx="9144000"/>
   <p:notesSz cx="6858000" cy="9144000"/>
   <p:embeddedFontLst>
     <p:embeddedFont>
       <p:font typeface="Nunito"/>
-      <p:regular r:id="rId13"/>
-      <p:bold r:id="rId14"/>
-      <p:italic r:id="rId15"/>
-      <p:boldItalic r:id="rId16"/>
+      <p:regular r:id="rId14"/>
+      <p:bold r:id="rId15"/>
+      <p:italic r:id="rId16"/>
+      <p:boldItalic r:id="rId17"/>
     </p:embeddedFont>
     <p:embeddedFont>
       <p:font typeface="Montserrat"/>
-      <p:regular r:id="rId17"/>
-      <p:bold r:id="rId18"/>
-      <p:italic r:id="rId19"/>
-      <p:boldItalic r:id="rId20"/>
+      <p:regular r:id="rId18"/>
+      <p:bold r:id="rId19"/>
+      <p:italic r:id="rId20"/>
+      <p:boldItalic r:id="rId21"/>
     </p:embeddedFont>
     <p:embeddedFont>
       <p:font typeface="Spectral"/>
-      <p:regular r:id="rId21"/>
-      <p:bold r:id="rId22"/>
-      <p:italic r:id="rId23"/>
-      <p:boldItalic r:id="rId24"/>
+      <p:regular r:id="rId22"/>
+      <p:bold r:id="rId23"/>
+      <p:italic r:id="rId24"/>
+      <p:boldItalic r:id="rId25"/>
     </p:embeddedFont>
   </p:embeddedFontLst>
   <p:defaultTextStyle>
@@ -1229,7 +1230,7 @@
       </p:grpSpPr>
       <p:sp>
         <p:nvSpPr>
-          <p:cNvPr id="238" name="Google Shape;238;g734bd6da05_0_12:notes"/>
+          <p:cNvPr id="238" name="Google Shape;238;g734bd6da05_0_81:notes"/>
           <p:cNvSpPr/>
           <p:nvPr>
             <p:ph idx="2" type="sldImg"/>
@@ -1264,7 +1265,7 @@
       </p:sp>
       <p:sp>
         <p:nvSpPr>
-          <p:cNvPr id="239" name="Google Shape;239;g734bd6da05_0_12:notes"/>
+          <p:cNvPr id="239" name="Google Shape;239;g734bd6da05_0_81:notes"/>
           <p:cNvSpPr txBox="1"/>
           <p:nvPr>
             <p:ph idx="1" type="body"/>
@@ -1314,7 +1315,7 @@
   <p:cSld>
     <p:spTree>
       <p:nvGrpSpPr>
-        <p:cNvPr id="255" name="Shape 255"/>
+        <p:cNvPr id="251" name="Shape 251"/>
         <p:cNvGrpSpPr/>
         <p:nvPr/>
       </p:nvGrpSpPr>
@@ -1328,7 +1329,7 @@
       </p:grpSpPr>
       <p:sp>
         <p:nvSpPr>
-          <p:cNvPr id="256" name="Google Shape;256;g734bd6da05_0_54:notes"/>
+          <p:cNvPr id="252" name="Google Shape;252;g734bd6da05_0_12:notes"/>
           <p:cNvSpPr/>
           <p:nvPr>
             <p:ph idx="2" type="sldImg"/>
@@ -1363,7 +1364,106 @@
       </p:sp>
       <p:sp>
         <p:nvSpPr>
-          <p:cNvPr id="257" name="Google Shape;257;g734bd6da05_0_54:notes"/>
+          <p:cNvPr id="253" name="Google Shape;253;g734bd6da05_0_12:notes"/>
+          <p:cNvSpPr txBox="1"/>
+          <p:nvPr>
+            <p:ph idx="1" type="body"/>
+          </p:nvPr>
+        </p:nvSpPr>
+        <p:spPr>
+          <a:xfrm>
+            <a:off x="685800" y="4343400"/>
+            <a:ext cx="5486400" cy="4114800"/>
+          </a:xfrm>
+          <a:prstGeom prst="rect">
+            <a:avLst/>
+          </a:prstGeom>
+        </p:spPr>
+        <p:txBody>
+          <a:bodyPr anchorCtr="0" anchor="t" bIns="91425" lIns="91425" spcFirstLastPara="1" rIns="91425" wrap="square" tIns="91425">
+            <a:noAutofit/>
+          </a:bodyPr>
+          <a:lstStyle/>
+          <a:p>
+            <a:pPr indent="0" lvl="0" marL="0" rtl="0" algn="l">
+              <a:spcBef>
+                <a:spcPts val="0"/>
+              </a:spcBef>
+              <a:spcAft>
+                <a:spcPts val="0"/>
+              </a:spcAft>
+              <a:buNone/>
+            </a:pPr>
+            <a:r>
+              <a:t/>
+            </a:r>
+            <a:endParaRPr/>
+          </a:p>
+        </p:txBody>
+      </p:sp>
+    </p:spTree>
+  </p:cSld>
+  <p:clrMapOvr>
+    <a:masterClrMapping/>
+  </p:clrMapOvr>
+</p:notes>
+</file>
+
+<file path=ppt/notesSlides/notesSlide8.xml><?xml version="1.0" encoding="utf-8"?>
+<p:notes xmlns:a="http://schemas.openxmlformats.org/drawingml/2006/main" xmlns:r="http://schemas.openxmlformats.org/officeDocument/2006/relationships" xmlns:mc="http://schemas.openxmlformats.org/markup-compatibility/2006" xmlns:mv="urn:schemas-microsoft-com:mac:vml" xmlns:p="http://schemas.openxmlformats.org/presentationml/2006/main" xmlns:c="http://schemas.openxmlformats.org/drawingml/2006/chart" xmlns:dgm="http://schemas.openxmlformats.org/drawingml/2006/diagram" xmlns:o="urn:schemas-microsoft-com:office:office" xmlns:v="urn:schemas-microsoft-com:vml" xmlns:pvml="urn:schemas-microsoft-com:office:powerpoint" xmlns:com="http://schemas.openxmlformats.org/drawingml/2006/compatibility" xmlns:p14="http://schemas.microsoft.com/office/powerpoint/2010/main" xmlns:p15="http://schemas.microsoft.com/office/powerpoint/2012/main" showMasterPhAnim="0" showMasterSp="0">
+  <p:cSld>
+    <p:spTree>
+      <p:nvGrpSpPr>
+        <p:cNvPr id="269" name="Shape 269"/>
+        <p:cNvGrpSpPr/>
+        <p:nvPr/>
+      </p:nvGrpSpPr>
+      <p:grpSpPr>
+        <a:xfrm>
+          <a:off x="0" y="0"/>
+          <a:ext cx="0" cy="0"/>
+          <a:chOff x="0" y="0"/>
+          <a:chExt cx="0" cy="0"/>
+        </a:xfrm>
+      </p:grpSpPr>
+      <p:sp>
+        <p:nvSpPr>
+          <p:cNvPr id="270" name="Google Shape;270;g734bd6da05_0_54:notes"/>
+          <p:cNvSpPr/>
+          <p:nvPr>
+            <p:ph idx="2" type="sldImg"/>
+          </p:nvPr>
+        </p:nvSpPr>
+        <p:spPr>
+          <a:xfrm>
+            <a:off x="381300" y="685800"/>
+            <a:ext cx="6096000" cy="3429000"/>
+          </a:xfrm>
+          <a:custGeom>
+            <a:rect b="b" l="l" r="r" t="t"/>
+            <a:pathLst>
+              <a:path extrusionOk="0" h="120000" w="120000">
+                <a:moveTo>
+                  <a:pt x="0" y="0"/>
+                </a:moveTo>
+                <a:lnTo>
+                  <a:pt x="120000" y="0"/>
+                </a:lnTo>
+                <a:lnTo>
+                  <a:pt x="120000" y="120000"/>
+                </a:lnTo>
+                <a:lnTo>
+                  <a:pt x="0" y="120000"/>
+                </a:lnTo>
+                <a:close/>
+              </a:path>
+            </a:pathLst>
+          </a:custGeom>
+        </p:spPr>
+      </p:sp>
+      <p:sp>
+        <p:nvSpPr>
+          <p:cNvPr id="271" name="Google Shape;271;g734bd6da05_0_54:notes"/>
           <p:cNvSpPr txBox="1"/>
           <p:nvPr>
             <p:ph idx="1" type="body"/>
@@ -14420,7 +14520,7 @@
                 <a:cs typeface="Calibri"/>
                 <a:sym typeface="Calibri"/>
               </a:rPr>
-              <a:t>Mecánica de atacar a enemigos</a:t>
+              <a:t>Mecánicas del jugador (atacar, moverse, saltar)</a:t>
             </a:r>
             <a:endParaRPr sz="2400">
               <a:latin typeface="Calibri"/>
@@ -14457,35 +14557,7 @@
                 <a:cs typeface="Calibri"/>
                 <a:sym typeface="Calibri"/>
               </a:rPr>
-              <a:t> de que ataquen al jugador</a:t>
-            </a:r>
-            <a:endParaRPr sz="2400">
-              <a:latin typeface="Calibri"/>
-              <a:ea typeface="Calibri"/>
-              <a:cs typeface="Calibri"/>
-              <a:sym typeface="Calibri"/>
-            </a:endParaRPr>
-          </a:p>
-          <a:p>
-            <a:pPr indent="-381000" lvl="0" marL="457200" rtl="0" algn="l">
-              <a:spcBef>
-                <a:spcPts val="0"/>
-              </a:spcBef>
-              <a:spcAft>
-                <a:spcPts val="0"/>
-              </a:spcAft>
-              <a:buSzPts val="2400"/>
-              <a:buFont typeface="Calibri"/>
-              <a:buChar char="●"/>
-            </a:pPr>
-            <a:r>
-              <a:rPr lang="es" sz="2400">
-                <a:latin typeface="Calibri"/>
-                <a:ea typeface="Calibri"/>
-                <a:cs typeface="Calibri"/>
-                <a:sym typeface="Calibri"/>
-              </a:rPr>
-              <a:t>Salto de jugador</a:t>
+              <a:t> de que ataquen al jugador y que pierda vida</a:t>
             </a:r>
             <a:endParaRPr sz="2400">
               <a:latin typeface="Calibri"/>
@@ -14541,7 +14613,35 @@
                 <a:cs typeface="Calibri"/>
                 <a:sym typeface="Calibri"/>
               </a:rPr>
-              <a:t>Mecánica</a:t>
+              <a:t>Mostrar progreso al jugador </a:t>
+            </a:r>
+            <a:endParaRPr sz="2400">
+              <a:latin typeface="Calibri"/>
+              <a:ea typeface="Calibri"/>
+              <a:cs typeface="Calibri"/>
+              <a:sym typeface="Calibri"/>
+            </a:endParaRPr>
+          </a:p>
+          <a:p>
+            <a:pPr indent="-381000" lvl="0" marL="457200" rtl="0" algn="l">
+              <a:spcBef>
+                <a:spcPts val="0"/>
+              </a:spcBef>
+              <a:spcAft>
+                <a:spcPts val="0"/>
+              </a:spcAft>
+              <a:buSzPts val="2400"/>
+              <a:buFont typeface="Calibri"/>
+              <a:buChar char="●"/>
+            </a:pPr>
+            <a:r>
+              <a:rPr lang="es" sz="2400">
+                <a:latin typeface="Calibri"/>
+                <a:ea typeface="Calibri"/>
+                <a:cs typeface="Calibri"/>
+                <a:sym typeface="Calibri"/>
+              </a:rPr>
+              <a:t>Dinámica</a:t>
             </a:r>
             <a:r>
               <a:rPr lang="es" sz="2400">
@@ -15187,6 +15287,34 @@
             </a:endParaRPr>
           </a:p>
           <a:p>
+            <a:pPr indent="-381000" lvl="0" marL="457200" rtl="0" algn="l">
+              <a:spcBef>
+                <a:spcPts val="0"/>
+              </a:spcBef>
+              <a:spcAft>
+                <a:spcPts val="0"/>
+              </a:spcAft>
+              <a:buSzPts val="2400"/>
+              <a:buFont typeface="Calibri"/>
+              <a:buChar char="●"/>
+            </a:pPr>
+            <a:r>
+              <a:rPr lang="es" sz="2400">
+                <a:latin typeface="Calibri"/>
+                <a:ea typeface="Calibri"/>
+                <a:cs typeface="Calibri"/>
+                <a:sym typeface="Calibri"/>
+              </a:rPr>
+              <a:t>Documento de Arquitectura (?)</a:t>
+            </a:r>
+            <a:endParaRPr sz="2400">
+              <a:latin typeface="Calibri"/>
+              <a:ea typeface="Calibri"/>
+              <a:cs typeface="Calibri"/>
+              <a:sym typeface="Calibri"/>
+            </a:endParaRPr>
+          </a:p>
+          <a:p>
             <a:pPr indent="0" lvl="0" marL="457200" rtl="0" algn="l">
               <a:spcBef>
                 <a:spcPts val="0"/>
@@ -15634,7 +15762,7 @@
                 <a:cs typeface="Spectral"/>
                 <a:sym typeface="Spectral"/>
               </a:rPr>
-              <a:t>Arte y Música</a:t>
+              <a:t>Música</a:t>
             </a:r>
             <a:endParaRPr>
               <a:solidFill>
@@ -15997,6 +16125,26 @@
             </a:endParaRPr>
           </a:p>
           <a:p>
+            <a:pPr indent="0" lvl="0" marL="457200" rtl="0" algn="l">
+              <a:spcBef>
+                <a:spcPts val="0"/>
+              </a:spcBef>
+              <a:spcAft>
+                <a:spcPts val="0"/>
+              </a:spcAft>
+              <a:buNone/>
+            </a:pPr>
+            <a:r>
+              <a:t/>
+            </a:r>
+            <a:endParaRPr sz="2400">
+              <a:latin typeface="Calibri"/>
+              <a:ea typeface="Calibri"/>
+              <a:cs typeface="Calibri"/>
+              <a:sym typeface="Calibri"/>
+            </a:endParaRPr>
+          </a:p>
+          <a:p>
             <a:pPr indent="-381000" lvl="0" marL="457200" rtl="0" algn="l">
               <a:spcBef>
                 <a:spcPts val="0"/>
@@ -16015,7 +16163,185 @@
                 <a:cs typeface="Calibri"/>
                 <a:sym typeface="Calibri"/>
               </a:rPr>
-              <a:t>Arte: Realizado el sprite del jugador </a:t>
+              <a:t>Efectos de sonido</a:t>
+            </a:r>
+            <a:endParaRPr sz="2400">
+              <a:latin typeface="Calibri"/>
+              <a:ea typeface="Calibri"/>
+              <a:cs typeface="Calibri"/>
+              <a:sym typeface="Calibri"/>
+            </a:endParaRPr>
+          </a:p>
+          <a:p>
+            <a:pPr indent="0" lvl="0" marL="457200" rtl="0" algn="l">
+              <a:spcBef>
+                <a:spcPts val="0"/>
+              </a:spcBef>
+              <a:spcAft>
+                <a:spcPts val="0"/>
+              </a:spcAft>
+              <a:buNone/>
+            </a:pPr>
+            <a:r>
+              <a:t/>
+            </a:r>
+            <a:endParaRPr sz="2400">
+              <a:latin typeface="Calibri"/>
+              <a:ea typeface="Calibri"/>
+              <a:cs typeface="Calibri"/>
+              <a:sym typeface="Calibri"/>
+            </a:endParaRPr>
+          </a:p>
+          <a:p>
+            <a:pPr indent="-381000" lvl="1" marL="914400" rtl="0" algn="l">
+              <a:spcBef>
+                <a:spcPts val="0"/>
+              </a:spcBef>
+              <a:spcAft>
+                <a:spcPts val="0"/>
+              </a:spcAft>
+              <a:buSzPts val="2400"/>
+              <a:buFont typeface="Calibri"/>
+              <a:buChar char="○"/>
+            </a:pPr>
+            <a:r>
+              <a:rPr lang="es" sz="2400">
+                <a:latin typeface="Calibri"/>
+                <a:ea typeface="Calibri"/>
+                <a:cs typeface="Calibri"/>
+                <a:sym typeface="Calibri"/>
+              </a:rPr>
+              <a:t>Sacados de </a:t>
+            </a:r>
+            <a:r>
+              <a:rPr lang="es" sz="2400" u="sng">
+                <a:solidFill>
+                  <a:schemeClr val="hlink"/>
+                </a:solidFill>
+                <a:latin typeface="Calibri"/>
+                <a:ea typeface="Calibri"/>
+                <a:cs typeface="Calibri"/>
+                <a:sym typeface="Calibri"/>
+                <a:hlinkClick r:id="rId3"/>
+              </a:rPr>
+              <a:t>FreeSound</a:t>
+            </a:r>
+            <a:r>
+              <a:rPr lang="es" sz="2400">
+                <a:latin typeface="Calibri"/>
+                <a:ea typeface="Calibri"/>
+                <a:cs typeface="Calibri"/>
+                <a:sym typeface="Calibri"/>
+              </a:rPr>
+              <a:t> </a:t>
+            </a:r>
+            <a:endParaRPr sz="2400">
+              <a:latin typeface="Calibri"/>
+              <a:ea typeface="Calibri"/>
+              <a:cs typeface="Calibri"/>
+              <a:sym typeface="Calibri"/>
+            </a:endParaRPr>
+          </a:p>
+          <a:p>
+            <a:pPr indent="0" lvl="0" marL="914400" rtl="0" algn="l">
+              <a:spcBef>
+                <a:spcPts val="0"/>
+              </a:spcBef>
+              <a:spcAft>
+                <a:spcPts val="0"/>
+              </a:spcAft>
+              <a:buNone/>
+            </a:pPr>
+            <a:r>
+              <a:t/>
+            </a:r>
+            <a:endParaRPr sz="2400">
+              <a:latin typeface="Calibri"/>
+              <a:ea typeface="Calibri"/>
+              <a:cs typeface="Calibri"/>
+              <a:sym typeface="Calibri"/>
+            </a:endParaRPr>
+          </a:p>
+          <a:p>
+            <a:pPr indent="0" lvl="0" marL="914400" rtl="0" algn="l">
+              <a:spcBef>
+                <a:spcPts val="0"/>
+              </a:spcBef>
+              <a:spcAft>
+                <a:spcPts val="0"/>
+              </a:spcAft>
+              <a:buNone/>
+            </a:pPr>
+            <a:r>
+              <a:t/>
+            </a:r>
+            <a:endParaRPr sz="2400">
+              <a:latin typeface="Calibri"/>
+              <a:ea typeface="Calibri"/>
+              <a:cs typeface="Calibri"/>
+              <a:sym typeface="Calibri"/>
+            </a:endParaRPr>
+          </a:p>
+          <a:p>
+            <a:pPr indent="-381000" lvl="1" marL="914400" rtl="0" algn="l">
+              <a:spcBef>
+                <a:spcPts val="0"/>
+              </a:spcBef>
+              <a:spcAft>
+                <a:spcPts val="0"/>
+              </a:spcAft>
+              <a:buSzPts val="2400"/>
+              <a:buFont typeface="Calibri"/>
+              <a:buChar char="○"/>
+            </a:pPr>
+            <a:r>
+              <a:rPr lang="es" sz="2400">
+                <a:latin typeface="Calibri"/>
+                <a:ea typeface="Calibri"/>
+                <a:cs typeface="Calibri"/>
+                <a:sym typeface="Calibri"/>
+              </a:rPr>
+              <a:t>Editados con Audacity</a:t>
+            </a:r>
+            <a:endParaRPr sz="2400">
+              <a:latin typeface="Calibri"/>
+              <a:ea typeface="Calibri"/>
+              <a:cs typeface="Calibri"/>
+              <a:sym typeface="Calibri"/>
+            </a:endParaRPr>
+          </a:p>
+          <a:p>
+            <a:pPr indent="0" lvl="0" marL="0" rtl="0" algn="l">
+              <a:spcBef>
+                <a:spcPts val="0"/>
+              </a:spcBef>
+              <a:spcAft>
+                <a:spcPts val="0"/>
+              </a:spcAft>
+              <a:buNone/>
+            </a:pPr>
+            <a:r>
+              <a:t/>
+            </a:r>
+            <a:endParaRPr sz="2400">
+              <a:latin typeface="Calibri"/>
+              <a:ea typeface="Calibri"/>
+              <a:cs typeface="Calibri"/>
+              <a:sym typeface="Calibri"/>
+            </a:endParaRPr>
+          </a:p>
+          <a:p>
+            <a:pPr indent="0" lvl="0" marL="0" rtl="0" algn="l">
+              <a:spcBef>
+                <a:spcPts val="0"/>
+              </a:spcBef>
+              <a:spcAft>
+                <a:spcPts val="0"/>
+              </a:spcAft>
+              <a:buNone/>
+            </a:pPr>
+            <a:r>
+              <a:t/>
             </a:r>
             <a:endParaRPr sz="2400">
               <a:latin typeface="Calibri"/>
@@ -16028,12 +16354,14 @@
       </p:sp>
       <p:pic>
         <p:nvPicPr>
-          <p:cNvPr id="248" name="Google Shape;248;p22"/>
+          <p:cNvPr id="248" name="Google Shape;248;p22" title="Treacherous Slopes(Loop).mp3">
+            <a:hlinkClick r:id="rId4"/>
+          </p:cNvPr>
           <p:cNvPicPr preferRelativeResize="0"/>
           <p:nvPr/>
         </p:nvPicPr>
         <p:blipFill>
-          <a:blip r:embed="rId3">
+          <a:blip r:embed="rId5">
             <a:alphaModFix/>
           </a:blip>
           <a:stretch>
@@ -16042,8 +16370,8 @@
         </p:blipFill>
         <p:spPr>
           <a:xfrm>
-            <a:off x="6074288" y="597763"/>
-            <a:ext cx="1971675" cy="1171575"/>
+            <a:off x="4273925" y="1180000"/>
+            <a:ext cx="509700" cy="509700"/>
           </a:xfrm>
           <a:prstGeom prst="rect">
             <a:avLst/>
@@ -16061,7 +16389,7 @@
           <p:nvPr/>
         </p:nvPicPr>
         <p:blipFill>
-          <a:blip r:embed="rId4">
+          <a:blip r:embed="rId6">
             <a:alphaModFix/>
           </a:blip>
           <a:stretch>
@@ -16070,8 +16398,8 @@
         </p:blipFill>
         <p:spPr>
           <a:xfrm>
-            <a:off x="828063" y="3361350"/>
-            <a:ext cx="1628775" cy="1066800"/>
+            <a:off x="4809025" y="2480425"/>
+            <a:ext cx="2571200" cy="890800"/>
           </a:xfrm>
           <a:prstGeom prst="rect">
             <a:avLst/>
@@ -16089,62 +16417,6 @@
           <p:nvPr/>
         </p:nvPicPr>
         <p:blipFill>
-          <a:blip r:embed="rId5">
-            <a:alphaModFix/>
-          </a:blip>
-          <a:stretch>
-            <a:fillRect/>
-          </a:stretch>
-        </p:blipFill>
-        <p:spPr>
-          <a:xfrm>
-            <a:off x="1758863" y="2285050"/>
-            <a:ext cx="1914525" cy="838200"/>
-          </a:xfrm>
-          <a:prstGeom prst="rect">
-            <a:avLst/>
-          </a:prstGeom>
-          <a:noFill/>
-          <a:ln>
-            <a:noFill/>
-          </a:ln>
-        </p:spPr>
-      </p:pic>
-      <p:pic>
-        <p:nvPicPr>
-          <p:cNvPr id="251" name="Google Shape;251;p22"/>
-          <p:cNvPicPr preferRelativeResize="0"/>
-          <p:nvPr/>
-        </p:nvPicPr>
-        <p:blipFill>
-          <a:blip r:embed="rId6">
-            <a:alphaModFix/>
-          </a:blip>
-          <a:stretch>
-            <a:fillRect/>
-          </a:stretch>
-        </p:blipFill>
-        <p:spPr>
-          <a:xfrm>
-            <a:off x="3462738" y="3342300"/>
-            <a:ext cx="1495425" cy="1104900"/>
-          </a:xfrm>
-          <a:prstGeom prst="rect">
-            <a:avLst/>
-          </a:prstGeom>
-          <a:noFill/>
-          <a:ln>
-            <a:noFill/>
-          </a:ln>
-        </p:spPr>
-      </p:pic>
-      <p:pic>
-        <p:nvPicPr>
-          <p:cNvPr id="252" name="Google Shape;252;p22"/>
-          <p:cNvPicPr preferRelativeResize="0"/>
-          <p:nvPr/>
-        </p:nvPicPr>
-        <p:blipFill>
           <a:blip r:embed="rId7">
             <a:alphaModFix/>
           </a:blip>
@@ -16154,64 +16426,8 @@
         </p:blipFill>
         <p:spPr>
           <a:xfrm>
-            <a:off x="6646450" y="3418500"/>
-            <a:ext cx="1847850" cy="1009650"/>
-          </a:xfrm>
-          <a:prstGeom prst="rect">
-            <a:avLst/>
-          </a:prstGeom>
-          <a:noFill/>
-          <a:ln>
-            <a:noFill/>
-          </a:ln>
-        </p:spPr>
-      </p:pic>
-      <p:pic>
-        <p:nvPicPr>
-          <p:cNvPr id="253" name="Google Shape;253;p22"/>
-          <p:cNvPicPr preferRelativeResize="0"/>
-          <p:nvPr/>
-        </p:nvPicPr>
-        <p:blipFill>
-          <a:blip r:embed="rId8">
-            <a:alphaModFix/>
-          </a:blip>
-          <a:stretch>
-            <a:fillRect/>
-          </a:stretch>
-        </p:blipFill>
-        <p:spPr>
-          <a:xfrm rot="10800000">
-            <a:off x="6283825" y="3691362"/>
-            <a:ext cx="289925" cy="572775"/>
-          </a:xfrm>
-          <a:prstGeom prst="rect">
-            <a:avLst/>
-          </a:prstGeom>
-          <a:noFill/>
-          <a:ln>
-            <a:noFill/>
-          </a:ln>
-        </p:spPr>
-      </p:pic>
-      <p:pic>
-        <p:nvPicPr>
-          <p:cNvPr id="254" name="Google Shape;254;p22"/>
-          <p:cNvPicPr preferRelativeResize="0"/>
-          <p:nvPr/>
-        </p:nvPicPr>
-        <p:blipFill>
-          <a:blip r:embed="rId9">
-            <a:alphaModFix/>
-          </a:blip>
-          <a:stretch>
-            <a:fillRect/>
-          </a:stretch>
-        </p:blipFill>
-        <p:spPr>
-          <a:xfrm>
-            <a:off x="4640175" y="2212600"/>
-            <a:ext cx="1933575" cy="762000"/>
+            <a:off x="5025225" y="3467275"/>
+            <a:ext cx="1170474" cy="1170474"/>
           </a:xfrm>
           <a:prstGeom prst="rect">
             <a:avLst/>
@@ -16235,7 +16451,7 @@
   <p:cSld>
     <p:spTree>
       <p:nvGrpSpPr>
-        <p:cNvPr id="258" name="Shape 258"/>
+        <p:cNvPr id="254" name="Shape 254"/>
         <p:cNvGrpSpPr/>
         <p:nvPr/>
       </p:nvGrpSpPr>
@@ -16249,7 +16465,632 @@
       </p:grpSpPr>
       <p:sp>
         <p:nvSpPr>
+          <p:cNvPr id="255" name="Google Shape;255;p23"/>
+          <p:cNvSpPr txBox="1"/>
+          <p:nvPr>
+            <p:ph type="title"/>
+          </p:nvPr>
+        </p:nvSpPr>
+        <p:spPr>
+          <a:xfrm>
+            <a:off x="540275" y="427300"/>
+            <a:ext cx="7505700" cy="752700"/>
+          </a:xfrm>
+          <a:prstGeom prst="rect">
+            <a:avLst/>
+          </a:prstGeom>
+        </p:spPr>
+        <p:txBody>
+          <a:bodyPr anchorCtr="0" anchor="t" bIns="91425" lIns="91425" spcFirstLastPara="1" rIns="91425" wrap="square" tIns="91425">
+            <a:noAutofit/>
+          </a:bodyPr>
+          <a:lstStyle/>
+          <a:p>
+            <a:pPr indent="0" lvl="0" marL="0" rtl="0" algn="l">
+              <a:spcBef>
+                <a:spcPts val="0"/>
+              </a:spcBef>
+              <a:spcAft>
+                <a:spcPts val="0"/>
+              </a:spcAft>
+              <a:buNone/>
+            </a:pPr>
+            <a:r>
+              <a:rPr lang="es">
+                <a:solidFill>
+                  <a:srgbClr val="0D47A1"/>
+                </a:solidFill>
+                <a:latin typeface="Spectral"/>
+                <a:ea typeface="Spectral"/>
+                <a:cs typeface="Spectral"/>
+                <a:sym typeface="Spectral"/>
+              </a:rPr>
+              <a:t>Arte</a:t>
+            </a:r>
+            <a:endParaRPr>
+              <a:solidFill>
+                <a:srgbClr val="0D47A1"/>
+              </a:solidFill>
+              <a:latin typeface="Spectral"/>
+              <a:ea typeface="Spectral"/>
+              <a:cs typeface="Spectral"/>
+              <a:sym typeface="Spectral"/>
+            </a:endParaRPr>
+          </a:p>
+        </p:txBody>
+      </p:sp>
+      <p:sp>
+        <p:nvSpPr>
+          <p:cNvPr id="256" name="Google Shape;256;p23"/>
+          <p:cNvSpPr txBox="1"/>
+          <p:nvPr/>
+        </p:nvSpPr>
+        <p:spPr>
+          <a:xfrm>
+            <a:off x="1297500" y="1743644"/>
+            <a:ext cx="732900" cy="808800"/>
+          </a:xfrm>
+          <a:prstGeom prst="rect">
+            <a:avLst/>
+          </a:prstGeom>
+          <a:noFill/>
+          <a:ln>
+            <a:noFill/>
+          </a:ln>
+        </p:spPr>
+        <p:txBody>
+          <a:bodyPr anchorCtr="0" anchor="t" bIns="91425" lIns="91425" spcFirstLastPara="1" rIns="91425" wrap="square" tIns="91425">
+            <a:noAutofit/>
+          </a:bodyPr>
+          <a:lstStyle/>
+          <a:p>
+            <a:pPr indent="0" lvl="0" marL="0" rtl="0" algn="l">
+              <a:spcBef>
+                <a:spcPts val="0"/>
+              </a:spcBef>
+              <a:spcAft>
+                <a:spcPts val="0"/>
+              </a:spcAft>
+              <a:buNone/>
+            </a:pPr>
+            <a:r>
+              <a:rPr lang="es" sz="2400">
+                <a:solidFill>
+                  <a:srgbClr val="FFFFFF"/>
+                </a:solidFill>
+                <a:latin typeface="Montserrat"/>
+                <a:ea typeface="Montserrat"/>
+                <a:cs typeface="Montserrat"/>
+                <a:sym typeface="Montserrat"/>
+              </a:rPr>
+              <a:t>01</a:t>
+            </a:r>
+            <a:endParaRPr>
+              <a:solidFill>
+                <a:srgbClr val="FFFFFF"/>
+              </a:solidFill>
+            </a:endParaRPr>
+          </a:p>
+          <a:p>
+            <a:pPr indent="0" lvl="0" marL="0" rtl="0" algn="l">
+              <a:spcBef>
+                <a:spcPts val="0"/>
+              </a:spcBef>
+              <a:spcAft>
+                <a:spcPts val="0"/>
+              </a:spcAft>
+              <a:buNone/>
+            </a:pPr>
+            <a:r>
+              <a:t/>
+            </a:r>
+            <a:endParaRPr sz="1300">
+              <a:solidFill>
+                <a:srgbClr val="FFFFFF"/>
+              </a:solidFill>
+            </a:endParaRPr>
+          </a:p>
+        </p:txBody>
+      </p:sp>
+      <p:sp>
+        <p:nvSpPr>
+          <p:cNvPr id="257" name="Google Shape;257;p23"/>
+          <p:cNvSpPr txBox="1"/>
+          <p:nvPr/>
+        </p:nvSpPr>
+        <p:spPr>
+          <a:xfrm>
+            <a:off x="1297500" y="2658481"/>
+            <a:ext cx="732900" cy="808800"/>
+          </a:xfrm>
+          <a:prstGeom prst="rect">
+            <a:avLst/>
+          </a:prstGeom>
+          <a:noFill/>
+          <a:ln>
+            <a:noFill/>
+          </a:ln>
+        </p:spPr>
+        <p:txBody>
+          <a:bodyPr anchorCtr="0" anchor="t" bIns="91425" lIns="91425" spcFirstLastPara="1" rIns="91425" wrap="square" tIns="91425">
+            <a:noAutofit/>
+          </a:bodyPr>
+          <a:lstStyle/>
+          <a:p>
+            <a:pPr indent="0" lvl="0" marL="0" rtl="0" algn="l">
+              <a:spcBef>
+                <a:spcPts val="0"/>
+              </a:spcBef>
+              <a:spcAft>
+                <a:spcPts val="0"/>
+              </a:spcAft>
+              <a:buNone/>
+            </a:pPr>
+            <a:r>
+              <a:rPr lang="es" sz="2400">
+                <a:solidFill>
+                  <a:srgbClr val="FFFFFF"/>
+                </a:solidFill>
+                <a:latin typeface="Montserrat"/>
+                <a:ea typeface="Montserrat"/>
+                <a:cs typeface="Montserrat"/>
+                <a:sym typeface="Montserrat"/>
+              </a:rPr>
+              <a:t>02</a:t>
+            </a:r>
+            <a:endParaRPr>
+              <a:solidFill>
+                <a:srgbClr val="FFFFFF"/>
+              </a:solidFill>
+            </a:endParaRPr>
+          </a:p>
+          <a:p>
+            <a:pPr indent="0" lvl="0" marL="0" rtl="0" algn="l">
+              <a:spcBef>
+                <a:spcPts val="0"/>
+              </a:spcBef>
+              <a:spcAft>
+                <a:spcPts val="0"/>
+              </a:spcAft>
+              <a:buNone/>
+            </a:pPr>
+            <a:r>
+              <a:t/>
+            </a:r>
+            <a:endParaRPr sz="1300">
+              <a:solidFill>
+                <a:srgbClr val="FFFFFF"/>
+              </a:solidFill>
+            </a:endParaRPr>
+          </a:p>
+        </p:txBody>
+      </p:sp>
+      <p:sp>
+        <p:nvSpPr>
+          <p:cNvPr id="258" name="Google Shape;258;p23"/>
+          <p:cNvSpPr txBox="1"/>
+          <p:nvPr>
+            <p:ph idx="1" type="body"/>
+          </p:nvPr>
+        </p:nvSpPr>
+        <p:spPr>
+          <a:xfrm>
+            <a:off x="2030400" y="2658513"/>
+            <a:ext cx="5877300" cy="808800"/>
+          </a:xfrm>
+          <a:prstGeom prst="rect">
+            <a:avLst/>
+          </a:prstGeom>
+        </p:spPr>
+        <p:txBody>
+          <a:bodyPr anchorCtr="0" anchor="t" bIns="91425" lIns="91425" spcFirstLastPara="1" rIns="91425" wrap="square" tIns="91425">
+            <a:noAutofit/>
+          </a:bodyPr>
+          <a:lstStyle/>
+          <a:p>
+            <a:pPr indent="0" lvl="0" marL="0" rtl="0" algn="l">
+              <a:spcBef>
+                <a:spcPts val="0"/>
+              </a:spcBef>
+              <a:spcAft>
+                <a:spcPts val="1600"/>
+              </a:spcAft>
+              <a:buNone/>
+            </a:pPr>
+            <a:r>
+              <a:rPr lang="es">
+                <a:solidFill>
+                  <a:srgbClr val="FFFFFF"/>
+                </a:solidFill>
+              </a:rPr>
+              <a:t>Escribe aquí tu texto Escribe aquí tu texto Escribe aquí tu texto Escribe aquí tu texto Escribe aquí tu texto Escribe aquí tu texto Escribe aquí tu texto.</a:t>
+            </a:r>
+            <a:endParaRPr>
+              <a:solidFill>
+                <a:srgbClr val="FFFFFF"/>
+              </a:solidFill>
+            </a:endParaRPr>
+          </a:p>
+        </p:txBody>
+      </p:sp>
+      <p:sp>
+        <p:nvSpPr>
           <p:cNvPr id="259" name="Google Shape;259;p23"/>
+          <p:cNvSpPr txBox="1"/>
+          <p:nvPr/>
+        </p:nvSpPr>
+        <p:spPr>
+          <a:xfrm>
+            <a:off x="1297500" y="3573344"/>
+            <a:ext cx="732900" cy="808800"/>
+          </a:xfrm>
+          <a:prstGeom prst="rect">
+            <a:avLst/>
+          </a:prstGeom>
+          <a:noFill/>
+          <a:ln>
+            <a:noFill/>
+          </a:ln>
+        </p:spPr>
+        <p:txBody>
+          <a:bodyPr anchorCtr="0" anchor="t" bIns="91425" lIns="91425" spcFirstLastPara="1" rIns="91425" wrap="square" tIns="91425">
+            <a:noAutofit/>
+          </a:bodyPr>
+          <a:lstStyle/>
+          <a:p>
+            <a:pPr indent="0" lvl="0" marL="0" rtl="0" algn="l">
+              <a:spcBef>
+                <a:spcPts val="0"/>
+              </a:spcBef>
+              <a:spcAft>
+                <a:spcPts val="0"/>
+              </a:spcAft>
+              <a:buNone/>
+            </a:pPr>
+            <a:r>
+              <a:rPr lang="es" sz="2400">
+                <a:solidFill>
+                  <a:srgbClr val="FFFFFF"/>
+                </a:solidFill>
+                <a:latin typeface="Montserrat"/>
+                <a:ea typeface="Montserrat"/>
+                <a:cs typeface="Montserrat"/>
+                <a:sym typeface="Montserrat"/>
+              </a:rPr>
+              <a:t>03</a:t>
+            </a:r>
+            <a:endParaRPr sz="1300">
+              <a:solidFill>
+                <a:srgbClr val="FFFFFF"/>
+              </a:solidFill>
+            </a:endParaRPr>
+          </a:p>
+        </p:txBody>
+      </p:sp>
+      <p:sp>
+        <p:nvSpPr>
+          <p:cNvPr id="260" name="Google Shape;260;p23"/>
+          <p:cNvSpPr txBox="1"/>
+          <p:nvPr>
+            <p:ph idx="1" type="body"/>
+          </p:nvPr>
+        </p:nvSpPr>
+        <p:spPr>
+          <a:xfrm>
+            <a:off x="2030400" y="3573363"/>
+            <a:ext cx="5877300" cy="808800"/>
+          </a:xfrm>
+          <a:prstGeom prst="rect">
+            <a:avLst/>
+          </a:prstGeom>
+        </p:spPr>
+        <p:txBody>
+          <a:bodyPr anchorCtr="0" anchor="t" bIns="91425" lIns="91425" spcFirstLastPara="1" rIns="91425" wrap="square" tIns="91425">
+            <a:noAutofit/>
+          </a:bodyPr>
+          <a:lstStyle/>
+          <a:p>
+            <a:pPr indent="0" lvl="0" marL="0" rtl="0" algn="l">
+              <a:spcBef>
+                <a:spcPts val="0"/>
+              </a:spcBef>
+              <a:spcAft>
+                <a:spcPts val="1600"/>
+              </a:spcAft>
+              <a:buNone/>
+            </a:pPr>
+            <a:r>
+              <a:rPr lang="es">
+                <a:solidFill>
+                  <a:srgbClr val="FFFFFF"/>
+                </a:solidFill>
+              </a:rPr>
+              <a:t>Escribe aquí tu texto Escribe aquí tu texto Escribe aquí tu texto Escribe aquí tu texto Escribe aquí tu texto Escribe aquí tu texto Escribe aquí tu texto.</a:t>
+            </a:r>
+            <a:endParaRPr>
+              <a:solidFill>
+                <a:srgbClr val="FFFFFF"/>
+              </a:solidFill>
+            </a:endParaRPr>
+          </a:p>
+        </p:txBody>
+      </p:sp>
+      <p:sp>
+        <p:nvSpPr>
+          <p:cNvPr id="261" name="Google Shape;261;p23"/>
+          <p:cNvSpPr txBox="1"/>
+          <p:nvPr/>
+        </p:nvSpPr>
+        <p:spPr>
+          <a:xfrm>
+            <a:off x="665100" y="1137225"/>
+            <a:ext cx="7910400" cy="3577200"/>
+          </a:xfrm>
+          <a:prstGeom prst="rect">
+            <a:avLst/>
+          </a:prstGeom>
+          <a:noFill/>
+          <a:ln>
+            <a:noFill/>
+          </a:ln>
+        </p:spPr>
+        <p:txBody>
+          <a:bodyPr anchorCtr="0" anchor="t" bIns="91425" lIns="91425" spcFirstLastPara="1" rIns="91425" wrap="square" tIns="91425">
+            <a:noAutofit/>
+          </a:bodyPr>
+          <a:lstStyle/>
+          <a:p>
+            <a:pPr indent="0" lvl="0" marL="0" rtl="0" algn="l">
+              <a:spcBef>
+                <a:spcPts val="0"/>
+              </a:spcBef>
+              <a:spcAft>
+                <a:spcPts val="0"/>
+              </a:spcAft>
+              <a:buNone/>
+            </a:pPr>
+            <a:r>
+              <a:rPr lang="es" sz="2400">
+                <a:latin typeface="Calibri"/>
+                <a:ea typeface="Calibri"/>
+                <a:cs typeface="Calibri"/>
+                <a:sym typeface="Calibri"/>
+              </a:rPr>
+              <a:t> Realizado el sprite del jugador </a:t>
+            </a:r>
+            <a:endParaRPr sz="2400">
+              <a:latin typeface="Calibri"/>
+              <a:ea typeface="Calibri"/>
+              <a:cs typeface="Calibri"/>
+              <a:sym typeface="Calibri"/>
+            </a:endParaRPr>
+          </a:p>
+        </p:txBody>
+      </p:sp>
+      <p:pic>
+        <p:nvPicPr>
+          <p:cNvPr id="262" name="Google Shape;262;p23"/>
+          <p:cNvPicPr preferRelativeResize="0"/>
+          <p:nvPr/>
+        </p:nvPicPr>
+        <p:blipFill>
+          <a:blip r:embed="rId3">
+            <a:alphaModFix/>
+          </a:blip>
+          <a:stretch>
+            <a:fillRect/>
+          </a:stretch>
+        </p:blipFill>
+        <p:spPr>
+          <a:xfrm>
+            <a:off x="6074288" y="597763"/>
+            <a:ext cx="1971675" cy="1171575"/>
+          </a:xfrm>
+          <a:prstGeom prst="rect">
+            <a:avLst/>
+          </a:prstGeom>
+          <a:noFill/>
+          <a:ln>
+            <a:noFill/>
+          </a:ln>
+        </p:spPr>
+      </p:pic>
+      <p:pic>
+        <p:nvPicPr>
+          <p:cNvPr id="263" name="Google Shape;263;p23"/>
+          <p:cNvPicPr preferRelativeResize="0"/>
+          <p:nvPr/>
+        </p:nvPicPr>
+        <p:blipFill>
+          <a:blip r:embed="rId4">
+            <a:alphaModFix/>
+          </a:blip>
+          <a:stretch>
+            <a:fillRect/>
+          </a:stretch>
+        </p:blipFill>
+        <p:spPr>
+          <a:xfrm>
+            <a:off x="828063" y="3361350"/>
+            <a:ext cx="1628775" cy="1066800"/>
+          </a:xfrm>
+          <a:prstGeom prst="rect">
+            <a:avLst/>
+          </a:prstGeom>
+          <a:noFill/>
+          <a:ln>
+            <a:noFill/>
+          </a:ln>
+        </p:spPr>
+      </p:pic>
+      <p:pic>
+        <p:nvPicPr>
+          <p:cNvPr id="264" name="Google Shape;264;p23"/>
+          <p:cNvPicPr preferRelativeResize="0"/>
+          <p:nvPr/>
+        </p:nvPicPr>
+        <p:blipFill>
+          <a:blip r:embed="rId5">
+            <a:alphaModFix/>
+          </a:blip>
+          <a:stretch>
+            <a:fillRect/>
+          </a:stretch>
+        </p:blipFill>
+        <p:spPr>
+          <a:xfrm>
+            <a:off x="1758863" y="2285050"/>
+            <a:ext cx="1914525" cy="838200"/>
+          </a:xfrm>
+          <a:prstGeom prst="rect">
+            <a:avLst/>
+          </a:prstGeom>
+          <a:noFill/>
+          <a:ln>
+            <a:noFill/>
+          </a:ln>
+        </p:spPr>
+      </p:pic>
+      <p:pic>
+        <p:nvPicPr>
+          <p:cNvPr id="265" name="Google Shape;265;p23"/>
+          <p:cNvPicPr preferRelativeResize="0"/>
+          <p:nvPr/>
+        </p:nvPicPr>
+        <p:blipFill>
+          <a:blip r:embed="rId6">
+            <a:alphaModFix/>
+          </a:blip>
+          <a:stretch>
+            <a:fillRect/>
+          </a:stretch>
+        </p:blipFill>
+        <p:spPr>
+          <a:xfrm>
+            <a:off x="3462738" y="3342300"/>
+            <a:ext cx="1495425" cy="1104900"/>
+          </a:xfrm>
+          <a:prstGeom prst="rect">
+            <a:avLst/>
+          </a:prstGeom>
+          <a:noFill/>
+          <a:ln>
+            <a:noFill/>
+          </a:ln>
+        </p:spPr>
+      </p:pic>
+      <p:pic>
+        <p:nvPicPr>
+          <p:cNvPr id="266" name="Google Shape;266;p23"/>
+          <p:cNvPicPr preferRelativeResize="0"/>
+          <p:nvPr/>
+        </p:nvPicPr>
+        <p:blipFill>
+          <a:blip r:embed="rId7">
+            <a:alphaModFix/>
+          </a:blip>
+          <a:stretch>
+            <a:fillRect/>
+          </a:stretch>
+        </p:blipFill>
+        <p:spPr>
+          <a:xfrm>
+            <a:off x="6646450" y="3418500"/>
+            <a:ext cx="1847850" cy="1009650"/>
+          </a:xfrm>
+          <a:prstGeom prst="rect">
+            <a:avLst/>
+          </a:prstGeom>
+          <a:noFill/>
+          <a:ln>
+            <a:noFill/>
+          </a:ln>
+        </p:spPr>
+      </p:pic>
+      <p:pic>
+        <p:nvPicPr>
+          <p:cNvPr id="267" name="Google Shape;267;p23"/>
+          <p:cNvPicPr preferRelativeResize="0"/>
+          <p:nvPr/>
+        </p:nvPicPr>
+        <p:blipFill>
+          <a:blip r:embed="rId8">
+            <a:alphaModFix/>
+          </a:blip>
+          <a:stretch>
+            <a:fillRect/>
+          </a:stretch>
+        </p:blipFill>
+        <p:spPr>
+          <a:xfrm rot="10800000">
+            <a:off x="6283825" y="3691362"/>
+            <a:ext cx="289925" cy="572775"/>
+          </a:xfrm>
+          <a:prstGeom prst="rect">
+            <a:avLst/>
+          </a:prstGeom>
+          <a:noFill/>
+          <a:ln>
+            <a:noFill/>
+          </a:ln>
+        </p:spPr>
+      </p:pic>
+      <p:pic>
+        <p:nvPicPr>
+          <p:cNvPr id="268" name="Google Shape;268;p23"/>
+          <p:cNvPicPr preferRelativeResize="0"/>
+          <p:nvPr/>
+        </p:nvPicPr>
+        <p:blipFill>
+          <a:blip r:embed="rId9">
+            <a:alphaModFix/>
+          </a:blip>
+          <a:stretch>
+            <a:fillRect/>
+          </a:stretch>
+        </p:blipFill>
+        <p:spPr>
+          <a:xfrm>
+            <a:off x="4640175" y="2212600"/>
+            <a:ext cx="1933575" cy="762000"/>
+          </a:xfrm>
+          <a:prstGeom prst="rect">
+            <a:avLst/>
+          </a:prstGeom>
+          <a:noFill/>
+          <a:ln>
+            <a:noFill/>
+          </a:ln>
+        </p:spPr>
+      </p:pic>
+    </p:spTree>
+  </p:cSld>
+  <p:clrMapOvr>
+    <a:masterClrMapping/>
+  </p:clrMapOvr>
+</p:sld>
+</file>
+
+<file path=ppt/slides/slide8.xml><?xml version="1.0" encoding="utf-8"?>
+<p:sld xmlns:a="http://schemas.openxmlformats.org/drawingml/2006/main" xmlns:r="http://schemas.openxmlformats.org/officeDocument/2006/relationships" xmlns:mc="http://schemas.openxmlformats.org/markup-compatibility/2006" xmlns:mv="urn:schemas-microsoft-com:mac:vml" xmlns:p="http://schemas.openxmlformats.org/presentationml/2006/main" xmlns:c="http://schemas.openxmlformats.org/drawingml/2006/chart" xmlns:dgm="http://schemas.openxmlformats.org/drawingml/2006/diagram" xmlns:o="urn:schemas-microsoft-com:office:office" xmlns:v="urn:schemas-microsoft-com:vml" xmlns:pvml="urn:schemas-microsoft-com:office:powerpoint" xmlns:com="http://schemas.openxmlformats.org/drawingml/2006/compatibility" xmlns:p14="http://schemas.microsoft.com/office/powerpoint/2010/main" xmlns:p15="http://schemas.microsoft.com/office/powerpoint/2012/main">
+  <p:cSld>
+    <p:spTree>
+      <p:nvGrpSpPr>
+        <p:cNvPr id="272" name="Shape 272"/>
+        <p:cNvGrpSpPr/>
+        <p:nvPr/>
+      </p:nvGrpSpPr>
+      <p:grpSpPr>
+        <a:xfrm>
+          <a:off x="0" y="0"/>
+          <a:ext cx="0" cy="0"/>
+          <a:chOff x="0" y="0"/>
+          <a:chExt cx="0" cy="0"/>
+        </a:xfrm>
+      </p:grpSpPr>
+      <p:sp>
+        <p:nvSpPr>
+          <p:cNvPr id="273" name="Google Shape;273;p24"/>
           <p:cNvSpPr txBox="1"/>
           <p:nvPr>
             <p:ph type="title"/>
@@ -16297,7 +17138,7 @@
       </p:sp>
       <p:sp>
         <p:nvSpPr>
-          <p:cNvPr id="260" name="Google Shape;260;p23"/>
+          <p:cNvPr id="274" name="Google Shape;274;p24"/>
           <p:cNvSpPr txBox="1"/>
           <p:nvPr>
             <p:ph idx="1" type="body"/>
